--- a/Physics/Phys550/project/Foundations for Systematic Construction of Fault-Tolerant Quantum Gates.pptx
+++ b/Physics/Phys550/project/Foundations for Systematic Construction of Fault-Tolerant Quantum Gates.pptx
@@ -689,7 +689,7 @@
   <p:cSld>
     <p:spTree>
       <p:nvGrpSpPr>
-        <p:cNvPr id="87" name="Shape 87"/>
+        <p:cNvPr id="88" name="Shape 88"/>
         <p:cNvGrpSpPr/>
         <p:nvPr/>
       </p:nvGrpSpPr>
@@ -703,7 +703,7 @@
       </p:grpSpPr>
       <p:sp>
         <p:nvSpPr>
-          <p:cNvPr id="88" name="Shape 88"/>
+          <p:cNvPr id="89" name="Shape 89"/>
           <p:cNvSpPr/>
           <p:nvPr>
             <p:ph idx="2" type="sldImg"/>
@@ -737,7 +737,7 @@
       </p:sp>
       <p:sp>
         <p:nvSpPr>
-          <p:cNvPr id="89" name="Shape 89"/>
+          <p:cNvPr id="90" name="Shape 90"/>
           <p:cNvSpPr txBox="1"/>
           <p:nvPr>
             <p:ph idx="1" type="body"/>
@@ -784,7 +784,7 @@
   <p:cSld>
     <p:spTree>
       <p:nvGrpSpPr>
-        <p:cNvPr id="101" name="Shape 101"/>
+        <p:cNvPr id="102" name="Shape 102"/>
         <p:cNvGrpSpPr/>
         <p:nvPr/>
       </p:nvGrpSpPr>
@@ -798,7 +798,7 @@
       </p:grpSpPr>
       <p:sp>
         <p:nvSpPr>
-          <p:cNvPr id="102" name="Shape 102"/>
+          <p:cNvPr id="103" name="Shape 103"/>
           <p:cNvSpPr/>
           <p:nvPr>
             <p:ph idx="2" type="sldImg"/>
@@ -832,7 +832,7 @@
       </p:sp>
       <p:sp>
         <p:nvSpPr>
-          <p:cNvPr id="103" name="Shape 103"/>
+          <p:cNvPr id="104" name="Shape 104"/>
           <p:cNvSpPr txBox="1"/>
           <p:nvPr>
             <p:ph idx="1" type="body"/>
@@ -879,7 +879,7 @@
   <p:cSld>
     <p:spTree>
       <p:nvGrpSpPr>
-        <p:cNvPr id="116" name="Shape 116"/>
+        <p:cNvPr id="117" name="Shape 117"/>
         <p:cNvGrpSpPr/>
         <p:nvPr/>
       </p:nvGrpSpPr>
@@ -893,7 +893,7 @@
       </p:grpSpPr>
       <p:sp>
         <p:nvSpPr>
-          <p:cNvPr id="117" name="Shape 117"/>
+          <p:cNvPr id="118" name="Shape 118"/>
           <p:cNvSpPr/>
           <p:nvPr>
             <p:ph idx="2" type="sldImg"/>
@@ -927,7 +927,7 @@
       </p:sp>
       <p:sp>
         <p:nvSpPr>
-          <p:cNvPr id="118" name="Shape 118"/>
+          <p:cNvPr id="119" name="Shape 119"/>
           <p:cNvSpPr txBox="1"/>
           <p:nvPr>
             <p:ph idx="1" type="body"/>
@@ -974,7 +974,7 @@
   <p:cSld>
     <p:spTree>
       <p:nvGrpSpPr>
-        <p:cNvPr id="123" name="Shape 123"/>
+        <p:cNvPr id="124" name="Shape 124"/>
         <p:cNvGrpSpPr/>
         <p:nvPr/>
       </p:nvGrpSpPr>
@@ -988,7 +988,7 @@
       </p:grpSpPr>
       <p:sp>
         <p:nvSpPr>
-          <p:cNvPr id="124" name="Shape 124"/>
+          <p:cNvPr id="125" name="Shape 125"/>
           <p:cNvSpPr/>
           <p:nvPr>
             <p:ph idx="2" type="sldImg"/>
@@ -1022,7 +1022,7 @@
       </p:sp>
       <p:sp>
         <p:nvSpPr>
-          <p:cNvPr id="125" name="Shape 125"/>
+          <p:cNvPr id="126" name="Shape 126"/>
           <p:cNvSpPr txBox="1"/>
           <p:nvPr>
             <p:ph idx="1" type="body"/>
@@ -5722,6 +5722,32 @@
           </a:ln>
         </p:spPr>
       </p:cxnSp>
+      <p:cxnSp>
+        <p:nvCxnSpPr>
+          <p:cNvPr id="87" name="Shape 87"/>
+          <p:cNvCxnSpPr/>
+          <p:nvPr/>
+        </p:nvCxnSpPr>
+        <p:spPr>
+          <a:xfrm>
+            <a:off x="3214700" y="3519225"/>
+            <a:ext cx="45000" cy="0"/>
+          </a:xfrm>
+          <a:prstGeom prst="straightConnector1">
+            <a:avLst/>
+          </a:prstGeom>
+          <a:noFill/>
+          <a:ln cap="flat" cmpd="sng" w="9525">
+            <a:solidFill>
+              <a:schemeClr val="dk1"/>
+            </a:solidFill>
+            <a:prstDash val="solid"/>
+            <a:round/>
+            <a:headEnd len="lg" w="lg" type="none"/>
+            <a:tailEnd len="lg" w="lg" type="none"/>
+          </a:ln>
+        </p:spPr>
+      </p:cxnSp>
     </p:spTree>
   </p:cSld>
   <p:clrMapOvr>
@@ -5735,7 +5761,7 @@
   <p:cSld>
     <p:spTree>
       <p:nvGrpSpPr>
-        <p:cNvPr id="90" name="Shape 90"/>
+        <p:cNvPr id="91" name="Shape 91"/>
         <p:cNvGrpSpPr/>
         <p:nvPr/>
       </p:nvGrpSpPr>
@@ -5749,7 +5775,7 @@
       </p:grpSpPr>
       <p:sp>
         <p:nvSpPr>
-          <p:cNvPr id="91" name="Shape 91"/>
+          <p:cNvPr id="92" name="Shape 92"/>
           <p:cNvSpPr txBox="1"/>
           <p:nvPr>
             <p:ph type="title"/>
@@ -5785,7 +5811,7 @@
       </p:sp>
       <p:sp>
         <p:nvSpPr>
-          <p:cNvPr id="92" name="Shape 92"/>
+          <p:cNvPr id="93" name="Shape 93"/>
           <p:cNvSpPr txBox="1"/>
           <p:nvPr>
             <p:ph idx="1" type="body"/>
@@ -5821,7 +5847,7 @@
       </p:sp>
       <p:pic>
         <p:nvPicPr>
-          <p:cNvPr id="93" name="Shape 93"/>
+          <p:cNvPr id="94" name="Shape 94"/>
           <p:cNvPicPr preferRelativeResize="0"/>
           <p:nvPr/>
         </p:nvPicPr>
@@ -5849,7 +5875,7 @@
       </p:pic>
       <p:pic>
         <p:nvPicPr>
-          <p:cNvPr id="94" name="Shape 94"/>
+          <p:cNvPr id="95" name="Shape 95"/>
           <p:cNvPicPr preferRelativeResize="0"/>
           <p:nvPr/>
         </p:nvPicPr>
@@ -5877,7 +5903,7 @@
       </p:pic>
       <p:pic>
         <p:nvPicPr>
-          <p:cNvPr id="95" name="Shape 95"/>
+          <p:cNvPr id="96" name="Shape 96"/>
           <p:cNvPicPr preferRelativeResize="0"/>
           <p:nvPr/>
         </p:nvPicPr>
@@ -5905,7 +5931,7 @@
       </p:pic>
       <p:pic>
         <p:nvPicPr>
-          <p:cNvPr id="96" name="Shape 96"/>
+          <p:cNvPr id="97" name="Shape 97"/>
           <p:cNvPicPr preferRelativeResize="0"/>
           <p:nvPr/>
         </p:nvPicPr>
@@ -5933,7 +5959,7 @@
       </p:pic>
       <p:pic>
         <p:nvPicPr>
-          <p:cNvPr id="97" name="Shape 97"/>
+          <p:cNvPr id="98" name="Shape 98"/>
           <p:cNvPicPr preferRelativeResize="0"/>
           <p:nvPr/>
         </p:nvPicPr>
@@ -5961,7 +5987,7 @@
       </p:pic>
       <p:pic>
         <p:nvPicPr>
-          <p:cNvPr id="98" name="Shape 98"/>
+          <p:cNvPr id="99" name="Shape 99"/>
           <p:cNvPicPr preferRelativeResize="0"/>
           <p:nvPr/>
         </p:nvPicPr>
@@ -5989,7 +6015,7 @@
       </p:pic>
       <p:pic>
         <p:nvPicPr>
-          <p:cNvPr id="99" name="Shape 99"/>
+          <p:cNvPr id="100" name="Shape 100"/>
           <p:cNvPicPr preferRelativeResize="0"/>
           <p:nvPr/>
         </p:nvPicPr>
@@ -6017,7 +6043,7 @@
       </p:pic>
       <p:sp>
         <p:nvSpPr>
-          <p:cNvPr id="100" name="Shape 100"/>
+          <p:cNvPr id="101" name="Shape 101"/>
           <p:cNvSpPr txBox="1"/>
           <p:nvPr/>
         </p:nvSpPr>
@@ -6078,7 +6104,7 @@
   <p:cSld>
     <p:spTree>
       <p:nvGrpSpPr>
-        <p:cNvPr id="104" name="Shape 104"/>
+        <p:cNvPr id="105" name="Shape 105"/>
         <p:cNvGrpSpPr/>
         <p:nvPr/>
       </p:nvGrpSpPr>
@@ -6092,7 +6118,7 @@
       </p:grpSpPr>
       <p:sp>
         <p:nvSpPr>
-          <p:cNvPr id="105" name="Shape 105"/>
+          <p:cNvPr id="106" name="Shape 106"/>
           <p:cNvSpPr txBox="1"/>
           <p:nvPr>
             <p:ph type="title"/>
@@ -6128,7 +6154,7 @@
       </p:sp>
       <p:pic>
         <p:nvPicPr>
-          <p:cNvPr id="106" name="Shape 106"/>
+          <p:cNvPr id="107" name="Shape 107"/>
           <p:cNvPicPr preferRelativeResize="0"/>
           <p:nvPr/>
         </p:nvPicPr>
@@ -6156,7 +6182,7 @@
       </p:pic>
       <p:sp>
         <p:nvSpPr>
-          <p:cNvPr id="107" name="Shape 107"/>
+          <p:cNvPr id="108" name="Shape 108"/>
           <p:cNvSpPr txBox="1"/>
           <p:nvPr>
             <p:ph idx="1" type="body"/>
@@ -6196,7 +6222,7 @@
       </p:sp>
       <p:pic>
         <p:nvPicPr>
-          <p:cNvPr id="108" name="Shape 108"/>
+          <p:cNvPr id="109" name="Shape 109"/>
           <p:cNvPicPr preferRelativeResize="0"/>
           <p:nvPr/>
         </p:nvPicPr>
@@ -6224,7 +6250,7 @@
       </p:pic>
       <p:sp>
         <p:nvSpPr>
-          <p:cNvPr id="109" name="Shape 109"/>
+          <p:cNvPr id="110" name="Shape 110"/>
           <p:cNvSpPr txBox="1"/>
           <p:nvPr/>
         </p:nvSpPr>
@@ -6274,7 +6300,7 @@
       </p:sp>
       <p:sp>
         <p:nvSpPr>
-          <p:cNvPr id="110" name="Shape 110"/>
+          <p:cNvPr id="111" name="Shape 111"/>
           <p:cNvSpPr txBox="1"/>
           <p:nvPr/>
         </p:nvSpPr>
@@ -6312,7 +6338,7 @@
       </p:sp>
       <p:pic>
         <p:nvPicPr>
-          <p:cNvPr id="111" name="Shape 111"/>
+          <p:cNvPr id="112" name="Shape 112"/>
           <p:cNvPicPr preferRelativeResize="0"/>
           <p:nvPr/>
         </p:nvPicPr>
@@ -6340,7 +6366,7 @@
       </p:pic>
       <p:pic>
         <p:nvPicPr>
-          <p:cNvPr id="112" name="Shape 112"/>
+          <p:cNvPr id="113" name="Shape 113"/>
           <p:cNvPicPr preferRelativeResize="0"/>
           <p:nvPr/>
         </p:nvPicPr>
@@ -6368,7 +6394,7 @@
       </p:pic>
       <p:sp>
         <p:nvSpPr>
-          <p:cNvPr id="113" name="Shape 113"/>
+          <p:cNvPr id="114" name="Shape 114"/>
           <p:cNvSpPr txBox="1"/>
           <p:nvPr/>
         </p:nvSpPr>
@@ -6406,7 +6432,7 @@
       </p:sp>
       <p:sp>
         <p:nvSpPr>
-          <p:cNvPr id="114" name="Shape 114"/>
+          <p:cNvPr id="115" name="Shape 115"/>
           <p:cNvSpPr txBox="1"/>
           <p:nvPr/>
         </p:nvSpPr>
@@ -6448,7 +6474,7 @@
       </p:sp>
       <p:cxnSp>
         <p:nvCxnSpPr>
-          <p:cNvPr id="115" name="Shape 115"/>
+          <p:cNvPr id="116" name="Shape 116"/>
           <p:cNvCxnSpPr/>
           <p:nvPr/>
         </p:nvCxnSpPr>
@@ -6485,7 +6511,7 @@
   <p:cSld>
     <p:spTree>
       <p:nvGrpSpPr>
-        <p:cNvPr id="119" name="Shape 119"/>
+        <p:cNvPr id="120" name="Shape 120"/>
         <p:cNvGrpSpPr/>
         <p:nvPr/>
       </p:nvGrpSpPr>
@@ -6499,7 +6525,7 @@
       </p:grpSpPr>
       <p:sp>
         <p:nvSpPr>
-          <p:cNvPr id="120" name="Shape 120"/>
+          <p:cNvPr id="121" name="Shape 121"/>
           <p:cNvSpPr txBox="1"/>
           <p:nvPr>
             <p:ph type="title"/>
@@ -6535,7 +6561,7 @@
       </p:sp>
       <p:sp>
         <p:nvSpPr>
-          <p:cNvPr id="121" name="Shape 121"/>
+          <p:cNvPr id="122" name="Shape 122"/>
           <p:cNvSpPr txBox="1"/>
           <p:nvPr>
             <p:ph idx="1" type="body"/>
@@ -6630,7 +6656,7 @@
       </p:sp>
       <p:sp>
         <p:nvSpPr>
-          <p:cNvPr id="122" name="Shape 122"/>
+          <p:cNvPr id="123" name="Shape 123"/>
           <p:cNvSpPr txBox="1"/>
           <p:nvPr/>
         </p:nvSpPr>
@@ -6687,7 +6713,7 @@
   <p:cSld>
     <p:spTree>
       <p:nvGrpSpPr>
-        <p:cNvPr id="126" name="Shape 126"/>
+        <p:cNvPr id="127" name="Shape 127"/>
         <p:cNvGrpSpPr/>
         <p:nvPr/>
       </p:nvGrpSpPr>
@@ -6701,7 +6727,7 @@
       </p:grpSpPr>
       <p:sp>
         <p:nvSpPr>
-          <p:cNvPr id="127" name="Shape 127"/>
+          <p:cNvPr id="128" name="Shape 128"/>
           <p:cNvSpPr txBox="1"/>
           <p:nvPr>
             <p:ph type="title"/>
@@ -6757,7 +6783,7 @@
       </p:sp>
       <p:sp>
         <p:nvSpPr>
-          <p:cNvPr id="128" name="Shape 128"/>
+          <p:cNvPr id="129" name="Shape 129"/>
           <p:cNvSpPr txBox="1"/>
           <p:nvPr>
             <p:ph idx="1" type="body"/>
